--- a/doc/ppt/第七课-http协议.pptx
+++ b/doc/ppt/第七课-http协议.pptx
@@ -115,6 +115,22 @@
       </a:defRPr>
     </a:lvl9pPr>
   </p:defaultTextStyle>
+  <p:extLst>
+    <p:ext uri="{EFAFB233-063F-42B5-8137-9DF3F51BA10A}">
+      <p15:sldGuideLst xmlns:p15="http://schemas.microsoft.com/office/powerpoint/2012/main">
+        <p15:guide id="1" orient="horz" pos="2160">
+          <p15:clr>
+            <a:srgbClr val="A4A3A4"/>
+          </p15:clr>
+        </p15:guide>
+        <p15:guide id="2" pos="2880">
+          <p15:clr>
+            <a:srgbClr val="A4A3A4"/>
+          </p15:clr>
+        </p15:guide>
+      </p15:sldGuideLst>
+    </p:ext>
+  </p:extLst>
 </p:presentation>
 </file>
 
@@ -3314,6 +3330,14 @@
           <a:bodyPr/>
           <a:lstStyle/>
           <a:p>
+            <a:r>
+              <a:rPr lang="en-US" altLang="zh-CN" dirty="0" smtClean="0"/>
+              <a:t>curl</a:t>
+            </a:r>
+            <a:r>
+              <a:rPr lang="zh-CN" altLang="en-US" dirty="0" smtClean="0"/>
+              <a:t>相关函数</a:t>
+            </a:r>
             <a:endParaRPr lang="zh-CN" altLang="en-US" dirty="0"/>
           </a:p>
         </p:txBody>
@@ -3393,7 +3417,19 @@
           <a:bodyPr/>
           <a:lstStyle/>
           <a:p>
-            <a:endParaRPr lang="zh-CN" altLang="en-US"/>
+            <a:r>
+              <a:rPr lang="en-US" altLang="zh-CN" dirty="0"/>
+              <a:t>h</a:t>
+            </a:r>
+            <a:r>
+              <a:rPr lang="en-US" altLang="zh-CN" dirty="0" smtClean="0"/>
+              <a:t>eader() </a:t>
+            </a:r>
+            <a:r>
+              <a:rPr lang="zh-CN" altLang="en-US" dirty="0" smtClean="0"/>
+              <a:t>函数</a:t>
+            </a:r>
+            <a:endParaRPr lang="zh-CN" altLang="en-US" dirty="0"/>
           </a:p>
         </p:txBody>
       </p:sp>
@@ -3460,7 +3496,64 @@
           <a:bodyPr/>
           <a:lstStyle/>
           <a:p>
-            <a:endParaRPr lang="zh-CN" altLang="en-US"/>
+            <a:r>
+              <a:rPr lang="zh-CN" altLang="en-US" dirty="0" smtClean="0"/>
+              <a:t>了解网络七层协议</a:t>
+            </a:r>
+            <a:endParaRPr lang="en-US" altLang="zh-CN" dirty="0" smtClean="0"/>
+          </a:p>
+          <a:p>
+            <a:r>
+              <a:rPr lang="zh-CN" altLang="en-US" dirty="0" smtClean="0"/>
+              <a:t>了解</a:t>
+            </a:r>
+            <a:r>
+              <a:rPr lang="en-US" altLang="zh-CN" dirty="0" smtClean="0"/>
+              <a:t>HTTP</a:t>
+            </a:r>
+            <a:r>
+              <a:rPr lang="zh-CN" altLang="en-US" dirty="0" smtClean="0"/>
+              <a:t>协议</a:t>
+            </a:r>
+            <a:endParaRPr lang="en-US" altLang="zh-CN" dirty="0" smtClean="0"/>
+          </a:p>
+          <a:p>
+            <a:r>
+              <a:rPr lang="zh-CN" altLang="en-US" dirty="0" smtClean="0"/>
+              <a:t>使用</a:t>
+            </a:r>
+            <a:r>
+              <a:rPr lang="en-US" altLang="zh-CN" dirty="0" smtClean="0"/>
+              <a:t>PHP</a:t>
+            </a:r>
+            <a:r>
+              <a:rPr lang="zh-CN" altLang="en-US" dirty="0" smtClean="0"/>
+              <a:t>发送</a:t>
+            </a:r>
+            <a:r>
+              <a:rPr lang="en-US" altLang="zh-CN" dirty="0" smtClean="0"/>
+              <a:t>HTTP</a:t>
+            </a:r>
+            <a:r>
+              <a:rPr lang="zh-CN" altLang="en-US" dirty="0" smtClean="0"/>
+              <a:t>请求</a:t>
+            </a:r>
+            <a:endParaRPr lang="en-US" altLang="zh-CN" dirty="0" smtClean="0"/>
+          </a:p>
+          <a:p>
+            <a:r>
+              <a:rPr lang="zh-CN" altLang="en-US" dirty="0" smtClean="0"/>
+              <a:t>使用</a:t>
+            </a:r>
+            <a:r>
+              <a:rPr lang="en-US" altLang="zh-CN" dirty="0" smtClean="0"/>
+              <a:t>PHP</a:t>
+            </a:r>
+            <a:r>
+              <a:rPr lang="zh-CN" altLang="en-US" dirty="0" smtClean="0"/>
+              <a:t>设置返回中的头信息</a:t>
+            </a:r>
+            <a:endParaRPr lang="zh-CN" altLang="en-US" dirty="0"/>
           </a:p>
         </p:txBody>
       </p:sp>
@@ -3531,18 +3624,26 @@
           <a:p>
             <a:r>
               <a:rPr lang="zh-CN" altLang="en-US" sz="2000" dirty="0" smtClean="0"/>
-              <a:t>网络协议是网络上所有设备（网络服务器、计算机、交换机、路由器、防火墙等）之间通信规则的集合</a:t>
+              <a:t>网络协议是网络上所有设备（网络服务器、计算机、交换机、路由器、防火墙等）之间</a:t>
+            </a:r>
+            <a:r>
+              <a:rPr lang="zh-CN" altLang="en-US" sz="2000" dirty="0" smtClean="0">
+                <a:solidFill>
+                  <a:srgbClr val="FF0000"/>
+                </a:solidFill>
+              </a:rPr>
+              <a:t>通信规则</a:t>
+            </a:r>
+            <a:r>
+              <a:rPr lang="zh-CN" altLang="en-US" sz="2000" dirty="0" smtClean="0"/>
+              <a:t>的集合</a:t>
             </a:r>
             <a:endParaRPr lang="en-US" altLang="zh-CN" sz="2000" dirty="0" smtClean="0"/>
           </a:p>
           <a:p>
             <a:r>
               <a:rPr lang="zh-CN" altLang="en-US" sz="2000" dirty="0" smtClean="0"/>
-              <a:t>七</a:t>
-            </a:r>
-            <a:r>
-              <a:rPr lang="zh-CN" altLang="en-US" sz="2000" dirty="0" smtClean="0"/>
-              <a:t>层协议</a:t>
+              <a:t>七层协议</a:t>
             </a:r>
             <a:r>
               <a:rPr lang="en-US" altLang="zh-CN" sz="2000" dirty="0" smtClean="0"/>
@@ -3608,11 +3709,7 @@
           <a:p>
             <a:r>
               <a:rPr lang="zh-CN" altLang="en-US" sz="2000" dirty="0" smtClean="0"/>
-              <a:t>传输层</a:t>
-            </a:r>
-            <a:r>
-              <a:rPr lang="zh-CN" altLang="en-US" sz="2000" dirty="0" smtClean="0"/>
-              <a:t>协议包括 </a:t>
+              <a:t>传输层协议包括 </a:t>
             </a:r>
             <a:r>
               <a:rPr lang="en-US" altLang="zh-CN" sz="2000" dirty="0" smtClean="0"/>
@@ -3904,11 +4001,7 @@
           <a:p>
             <a:r>
               <a:rPr lang="zh-CN" altLang="en-US" sz="2800" dirty="0" smtClean="0"/>
-              <a:t>一</a:t>
-            </a:r>
-            <a:r>
-              <a:rPr lang="zh-CN" altLang="en-US" sz="2800" dirty="0" smtClean="0"/>
-              <a:t>次简单的请求为： 浏览器发起一个到网站指定端口（默认</a:t>
+              <a:t>一次简单的请求为： 浏览器发起一个到网站指定端口（默认</a:t>
             </a:r>
             <a:r>
               <a:rPr lang="en-US" altLang="zh-CN" sz="2800" dirty="0" smtClean="0"/>
@@ -4064,13 +4157,55 @@
               <a:rPr lang="zh-CN" altLang="en-US" dirty="0" smtClean="0"/>
               <a:t>）</a:t>
             </a:r>
+            <a:r>
+              <a:rPr lang="en-US" altLang="zh-CN" dirty="0" smtClean="0"/>
+              <a:t>(</a:t>
+            </a:r>
+            <a:r>
+              <a:rPr lang="zh-CN" altLang="en-US" dirty="0" smtClean="0"/>
+              <a:t>我们的一些需求，一些配置信息</a:t>
+            </a:r>
+            <a:r>
+              <a:rPr lang="en-US" altLang="zh-CN" dirty="0" smtClean="0"/>
+              <a:t>)</a:t>
+            </a:r>
             <a:endParaRPr lang="en-US" altLang="zh-CN" dirty="0" smtClean="0"/>
           </a:p>
           <a:p>
             <a:pPr lvl="1"/>
             <a:r>
               <a:rPr lang="zh-CN" altLang="en-US" dirty="0" smtClean="0"/>
-              <a:t>请求正文</a:t>
+              <a:t>请求</a:t>
+            </a:r>
+            <a:r>
+              <a:rPr lang="zh-CN" altLang="en-US" dirty="0" smtClean="0"/>
+              <a:t>正文</a:t>
+            </a:r>
+            <a:r>
+              <a:rPr lang="en-US" altLang="zh-CN" dirty="0" smtClean="0"/>
+              <a:t>(</a:t>
+            </a:r>
+            <a:r>
+              <a:rPr lang="zh-CN" altLang="en-US" dirty="0" smtClean="0"/>
+              <a:t>参数</a:t>
+            </a:r>
+            <a:r>
+              <a:rPr lang="en-US" altLang="zh-CN" dirty="0" smtClean="0"/>
+              <a:t>)</a:t>
+            </a:r>
+          </a:p>
+          <a:p>
+            <a:pPr lvl="2"/>
+            <a:r>
+              <a:rPr lang="en-US" altLang="zh-CN" dirty="0" smtClean="0"/>
+              <a:t>Get</a:t>
+            </a:r>
+          </a:p>
+          <a:p>
+            <a:pPr lvl="2"/>
+            <a:r>
+              <a:rPr lang="en-US" altLang="zh-CN" dirty="0"/>
+              <a:t>post</a:t>
             </a:r>
             <a:endParaRPr lang="en-US" altLang="zh-CN" dirty="0" smtClean="0"/>
           </a:p>
@@ -4150,8 +4285,16 @@
           <a:lstStyle/>
           <a:p>
             <a:r>
-              <a:rPr lang="en-US" altLang="zh-CN" dirty="0" smtClean="0"/>
-              <a:t>GET </a:t>
+              <a:rPr lang="en-US" altLang="zh-CN" dirty="0" smtClean="0">
+                <a:solidFill>
+                  <a:srgbClr val="FF0000"/>
+                </a:solidFill>
+              </a:rPr>
+              <a:t>GET</a:t>
+            </a:r>
+            <a:r>
+              <a:rPr lang="en-US" altLang="zh-CN" dirty="0" smtClean="0"/>
+              <a:t> </a:t>
             </a:r>
             <a:r>
               <a:rPr lang="zh-CN" altLang="en-US" dirty="0" smtClean="0"/>
@@ -4169,8 +4312,16 @@
           </a:p>
           <a:p>
             <a:r>
-              <a:rPr lang="en-US" altLang="zh-CN" dirty="0" smtClean="0"/>
-              <a:t>POST </a:t>
+              <a:rPr lang="en-US" altLang="zh-CN" dirty="0" smtClean="0">
+                <a:solidFill>
+                  <a:srgbClr val="FF0000"/>
+                </a:solidFill>
+              </a:rPr>
+              <a:t>POST</a:t>
+            </a:r>
+            <a:r>
+              <a:rPr lang="en-US" altLang="zh-CN" dirty="0" smtClean="0"/>
+              <a:t> </a:t>
             </a:r>
             <a:r>
               <a:rPr lang="zh-CN" altLang="en-US" dirty="0" smtClean="0"/>
@@ -4202,20 +4353,20 @@
           </a:p>
           <a:p>
             <a:r>
+              <a:rPr lang="en-US" dirty="0" smtClean="0">
+                <a:solidFill>
+                  <a:srgbClr val="FF0000"/>
+                </a:solidFill>
+              </a:rPr>
+              <a:t>OPTIONS</a:t>
+            </a:r>
+            <a:r>
               <a:rPr lang="en-US" dirty="0" smtClean="0"/>
-              <a:t>OPTIONS </a:t>
-            </a:r>
-            <a:r>
-              <a:rPr lang="zh-CN" altLang="en-US" dirty="0" smtClean="0"/>
-              <a:t>用于</a:t>
-            </a:r>
-            <a:r>
-              <a:rPr lang="zh-CN" altLang="en-US" dirty="0" smtClean="0"/>
-              <a:t>询问</a:t>
-            </a:r>
-            <a:r>
-              <a:rPr lang="zh-CN" altLang="en-US" dirty="0" smtClean="0"/>
-              <a:t>服务器支持的</a:t>
+              <a:t> </a:t>
+            </a:r>
+            <a:r>
+              <a:rPr lang="zh-CN" altLang="en-US" dirty="0" smtClean="0"/>
+              <a:t>用于询问服务器支持的</a:t>
             </a:r>
             <a:r>
               <a:rPr lang="en-US" altLang="zh-CN" dirty="0" smtClean="0"/>
@@ -4351,7 +4502,19 @@
             <a:pPr lvl="1"/>
             <a:r>
               <a:rPr lang="zh-CN" altLang="en-US" dirty="0" smtClean="0"/>
-              <a:t>协议版本</a:t>
+              <a:t>协议</a:t>
+            </a:r>
+            <a:r>
+              <a:rPr lang="zh-CN" altLang="en-US" dirty="0" smtClean="0"/>
+              <a:t>版本</a:t>
+            </a:r>
+            <a:r>
+              <a:rPr lang="en-US" altLang="zh-CN" dirty="0" smtClean="0"/>
+              <a:t>/</a:t>
+            </a:r>
+            <a:r>
+              <a:rPr lang="zh-CN" altLang="en-US" dirty="0" smtClean="0"/>
+              <a:t>状态值</a:t>
             </a:r>
             <a:endParaRPr lang="en-US" altLang="zh-CN" dirty="0" smtClean="0"/>
           </a:p>
@@ -4446,13 +4609,21 @@
         <p:spPr/>
         <p:txBody>
           <a:bodyPr>
-            <a:normAutofit fontScale="70000" lnSpcReduction="20000"/>
+            <a:normAutofit fontScale="62500" lnSpcReduction="20000"/>
           </a:bodyPr>
           <a:lstStyle/>
           <a:p>
             <a:r>
-              <a:rPr lang="en-US" altLang="zh-CN" dirty="0" smtClean="0"/>
-              <a:t>200 </a:t>
+              <a:rPr lang="en-US" altLang="zh-CN" dirty="0" smtClean="0">
+                <a:solidFill>
+                  <a:srgbClr val="FF0000"/>
+                </a:solidFill>
+              </a:rPr>
+              <a:t>200</a:t>
+            </a:r>
+            <a:r>
+              <a:rPr lang="en-US" altLang="zh-CN" dirty="0" smtClean="0"/>
+              <a:t> </a:t>
             </a:r>
             <a:r>
               <a:rPr lang="zh-CN" altLang="en-US" dirty="0" smtClean="0"/>
@@ -4500,12 +4671,36 @@
           </a:p>
           <a:p>
             <a:r>
-              <a:rPr lang="en-US" altLang="zh-CN" dirty="0" smtClean="0"/>
-              <a:t>301 </a:t>
-            </a:r>
-            <a:r>
-              <a:rPr lang="zh-CN" altLang="en-US" dirty="0" smtClean="0"/>
-              <a:t>资源（网页等）被永久转义到其他</a:t>
+              <a:rPr lang="en-US" altLang="zh-CN" dirty="0" smtClean="0">
+                <a:solidFill>
+                  <a:srgbClr val="FF0000"/>
+                </a:solidFill>
+              </a:rPr>
+              <a:t>301</a:t>
+            </a:r>
+            <a:r>
+              <a:rPr lang="en-US" altLang="zh-CN" dirty="0" smtClean="0"/>
+              <a:t> </a:t>
+            </a:r>
+            <a:r>
+              <a:rPr lang="zh-CN" altLang="en-US" dirty="0" smtClean="0"/>
+              <a:t>资源（网页等）被</a:t>
+            </a:r>
+            <a:r>
+              <a:rPr lang="zh-CN" altLang="en-US" dirty="0" smtClean="0"/>
+              <a:t>永久</a:t>
+            </a:r>
+            <a:r>
+              <a:rPr lang="zh-CN" altLang="en-US" dirty="0"/>
+              <a:t>转移</a:t>
+            </a:r>
+            <a:r>
+              <a:rPr lang="zh-CN" altLang="en-US" dirty="0" smtClean="0"/>
+              <a:t>到</a:t>
+            </a:r>
+            <a:r>
+              <a:rPr lang="zh-CN" altLang="en-US" dirty="0" smtClean="0"/>
+              <a:t>其他</a:t>
             </a:r>
             <a:r>
               <a:rPr lang="en-US" altLang="zh-CN" dirty="0" smtClean="0"/>
@@ -4514,8 +4709,16 @@
           </a:p>
           <a:p>
             <a:r>
-              <a:rPr lang="en-US" altLang="zh-CN" dirty="0" smtClean="0"/>
-              <a:t>302 </a:t>
+              <a:rPr lang="en-US" altLang="zh-CN" dirty="0" smtClean="0">
+                <a:solidFill>
+                  <a:srgbClr val="FF0000"/>
+                </a:solidFill>
+              </a:rPr>
+              <a:t>302</a:t>
+            </a:r>
+            <a:r>
+              <a:rPr lang="en-US" altLang="zh-CN" dirty="0" smtClean="0"/>
+              <a:t> </a:t>
             </a:r>
             <a:r>
               <a:rPr lang="zh-CN" altLang="en-US" dirty="0" smtClean="0"/>
@@ -4525,8 +4728,16 @@
           </a:p>
           <a:p>
             <a:r>
-              <a:rPr lang="en-US" altLang="zh-CN" dirty="0" smtClean="0"/>
-              <a:t>401 </a:t>
+              <a:rPr lang="en-US" altLang="zh-CN" dirty="0" smtClean="0">
+                <a:solidFill>
+                  <a:srgbClr val="FF0000"/>
+                </a:solidFill>
+              </a:rPr>
+              <a:t>401</a:t>
+            </a:r>
+            <a:r>
+              <a:rPr lang="en-US" altLang="zh-CN" dirty="0" smtClean="0"/>
+              <a:t> </a:t>
             </a:r>
             <a:r>
               <a:rPr lang="zh-CN" altLang="en-US" dirty="0" smtClean="0"/>
@@ -4537,33 +4748,53 @@
           <a:p>
             <a:r>
               <a:rPr lang="en-US" altLang="zh-CN" dirty="0" smtClean="0"/>
-              <a:t>403</a:t>
-            </a:r>
-            <a:r>
-              <a:rPr lang="zh-CN" altLang="en-US" dirty="0" smtClean="0"/>
-              <a:t>服务器理解请求客户端的请求，但是拒绝执行此</a:t>
-            </a:r>
-            <a:r>
-              <a:rPr lang="zh-CN" altLang="en-US" dirty="0" smtClean="0"/>
-              <a:t>请求</a:t>
+              <a:t>403 </a:t>
+            </a:r>
+            <a:r>
+              <a:rPr lang="zh-CN" altLang="en-US" dirty="0" smtClean="0"/>
+              <a:t>服务器</a:t>
+            </a:r>
+            <a:r>
+              <a:rPr lang="zh-CN" altLang="en-US" dirty="0" smtClean="0"/>
+              <a:t>理解请求客户端的请求，但是拒绝执行此请求</a:t>
             </a:r>
             <a:endParaRPr lang="en-US" altLang="zh-CN" dirty="0" smtClean="0"/>
           </a:p>
           <a:p>
             <a:r>
-              <a:rPr lang="en-US" altLang="zh-CN" dirty="0" smtClean="0"/>
-              <a:t>404 </a:t>
-            </a:r>
-            <a:r>
-              <a:rPr lang="zh-CN" altLang="en-US" dirty="0" smtClean="0"/>
-              <a:t>请求的资源（网页等）不存在</a:t>
+              <a:rPr lang="en-US" altLang="zh-CN" dirty="0" smtClean="0">
+                <a:solidFill>
+                  <a:srgbClr val="FF0000"/>
+                </a:solidFill>
+              </a:rPr>
+              <a:t>404</a:t>
+            </a:r>
+            <a:r>
+              <a:rPr lang="en-US" altLang="zh-CN" dirty="0" smtClean="0"/>
+              <a:t> </a:t>
+            </a:r>
+            <a:r>
+              <a:rPr lang="zh-CN" altLang="en-US" dirty="0" smtClean="0"/>
+              <a:t>请求的</a:t>
+            </a:r>
+            <a:r>
+              <a:rPr lang="zh-CN" altLang="en-US" dirty="0" smtClean="0"/>
+              <a:t>资源（网页等）不存在</a:t>
             </a:r>
             <a:endParaRPr lang="en-US" altLang="zh-CN" dirty="0" smtClean="0"/>
           </a:p>
           <a:p>
             <a:r>
-              <a:rPr lang="en-US" altLang="zh-CN" dirty="0" smtClean="0"/>
-              <a:t>500 </a:t>
+              <a:rPr lang="en-US" altLang="zh-CN" dirty="0" smtClean="0">
+                <a:solidFill>
+                  <a:srgbClr val="FF0000"/>
+                </a:solidFill>
+              </a:rPr>
+              <a:t>500</a:t>
+            </a:r>
+            <a:r>
+              <a:rPr lang="en-US" altLang="zh-CN" dirty="0" smtClean="0"/>
+              <a:t> </a:t>
             </a:r>
             <a:r>
               <a:rPr lang="zh-CN" altLang="en-US" dirty="0" smtClean="0"/>
@@ -4574,26 +4805,34 @@
           <a:p>
             <a:r>
               <a:rPr lang="en-US" altLang="zh-CN" dirty="0" smtClean="0"/>
-              <a:t>502</a:t>
-            </a:r>
-            <a:r>
-              <a:rPr lang="zh-CN" altLang="en-US" dirty="0" smtClean="0"/>
-              <a:t>充当网关或代理的服务器，从远端服务器接收到了一个无效的</a:t>
-            </a:r>
-            <a:r>
-              <a:rPr lang="zh-CN" altLang="en-US" dirty="0" smtClean="0"/>
-              <a:t>请求</a:t>
+              <a:t>502 </a:t>
+            </a:r>
+            <a:r>
+              <a:rPr lang="zh-CN" altLang="en-US" dirty="0" smtClean="0"/>
+              <a:t>充当</a:t>
+            </a:r>
+            <a:r>
+              <a:rPr lang="zh-CN" altLang="en-US" dirty="0" smtClean="0"/>
+              <a:t>网关或代理的服务器，从远端服务器接收到了一个无效的请求</a:t>
             </a:r>
             <a:endParaRPr lang="en-US" altLang="zh-CN" dirty="0" smtClean="0"/>
           </a:p>
           <a:p>
             <a:r>
-              <a:rPr lang="en-US" altLang="zh-CN" dirty="0" smtClean="0"/>
-              <a:t>503</a:t>
-            </a:r>
-            <a:r>
-              <a:rPr lang="zh-CN" altLang="en-US" dirty="0" smtClean="0"/>
-              <a:t>由于超载或系统维护，服务器暂时的无法处理客户端的请求。</a:t>
+              <a:rPr lang="en-US" altLang="zh-CN" dirty="0" smtClean="0">
+                <a:solidFill>
+                  <a:srgbClr val="FF0000"/>
+                </a:solidFill>
+              </a:rPr>
+              <a:t>503 </a:t>
+            </a:r>
+            <a:r>
+              <a:rPr lang="zh-CN" altLang="en-US" dirty="0" smtClean="0"/>
+              <a:t>由于</a:t>
+            </a:r>
+            <a:r>
+              <a:rPr lang="zh-CN" altLang="en-US" dirty="0" smtClean="0"/>
+              <a:t>超载或系统维护，服务器暂时的无法处理客户端的请求。</a:t>
             </a:r>
             <a:endParaRPr lang="zh-CN" altLang="en-US" dirty="0"/>
           </a:p>
